--- a/Presentación.pptx
+++ b/Presentación.pptx
@@ -14898,7 +14898,7 @@
         </p:nvSpPr>
         <p:spPr>
           <a:xfrm>
-            <a:off x="3779408" y="2075680"/>
+            <a:off x="4046695" y="1940841"/>
             <a:ext cx="7982958" cy="1881731"/>
           </a:xfrm>
         </p:spPr>
@@ -18840,113 +18840,10 @@
               </a:spcAft>
             </a:pPr>
             <a:r>
-              <a:rPr lang="en-US" sz="3100" b="1" dirty="0"/>
-              <a:t>¿</a:t>
-            </a:r>
-            <a:r>
-              <a:rPr lang="en-US" sz="3100" b="1" dirty="0" err="1"/>
-              <a:t>Cuál</a:t>
-            </a:r>
-            <a:r>
-              <a:rPr lang="en-US" sz="3100" b="1" dirty="0"/>
-              <a:t> es el </a:t>
-            </a:r>
-            <a:r>
-              <a:rPr lang="en-US" sz="3100" b="1" dirty="0" err="1"/>
-              <a:t>ingreso</a:t>
-            </a:r>
-            <a:r>
-              <a:rPr lang="en-US" sz="3100" b="1" dirty="0"/>
-              <a:t> que </a:t>
-            </a:r>
-            <a:r>
-              <a:rPr lang="en-US" sz="3100" b="1" dirty="0" err="1"/>
-              <a:t>registran</a:t>
-            </a:r>
-            <a:r>
-              <a:rPr lang="en-US" sz="3100" b="1" dirty="0"/>
-              <a:t> las personas que </a:t>
-            </a:r>
-            <a:r>
-              <a:rPr lang="en-US" sz="3100" b="1" dirty="0" err="1"/>
-              <a:t>ganan</a:t>
-            </a:r>
-            <a:r>
-              <a:rPr lang="en-US" sz="3100" b="1" dirty="0"/>
-              <a:t> </a:t>
-            </a:r>
-            <a:r>
-              <a:rPr lang="en-US" sz="3100" b="1" dirty="0" err="1"/>
-              <a:t>más</a:t>
-            </a:r>
-            <a:r>
-              <a:rPr lang="en-US" sz="3100" b="1" dirty="0"/>
-              <a:t> de $30.000 </a:t>
-            </a:r>
-            <a:r>
-              <a:rPr lang="en-US" sz="3100" b="1" dirty="0" err="1"/>
-              <a:t>mensuales</a:t>
-            </a:r>
-            <a:r>
-              <a:rPr lang="en-US" sz="3100" b="1" dirty="0"/>
-              <a:t> que solo </a:t>
-            </a:r>
-            <a:r>
-              <a:rPr lang="en-US" sz="3100" b="1" dirty="0" err="1"/>
-              <a:t>poseen</a:t>
-            </a:r>
-            <a:r>
-              <a:rPr lang="en-US" sz="3100" b="1" dirty="0"/>
-              <a:t> </a:t>
-            </a:r>
-            <a:r>
-              <a:rPr lang="en-US" sz="3100" b="1" dirty="0" err="1"/>
-              <a:t>instrucción</a:t>
-            </a:r>
-            <a:r>
-              <a:rPr lang="en-US" sz="3100" b="1" dirty="0"/>
-              <a:t> </a:t>
-            </a:r>
-            <a:r>
-              <a:rPr lang="en-US" sz="3100" b="1" dirty="0" err="1"/>
-              <a:t>primaria</a:t>
-            </a:r>
-            <a:r>
-              <a:rPr lang="en-US" sz="3100" b="1" dirty="0"/>
-              <a:t> y </a:t>
-            </a:r>
-            <a:r>
-              <a:rPr lang="en-US" sz="3100" b="1" dirty="0" err="1"/>
-              <a:t>cuál</a:t>
-            </a:r>
-            <a:r>
-              <a:rPr lang="en-US" sz="3100" b="1" dirty="0"/>
-              <a:t> es </a:t>
-            </a:r>
-            <a:r>
-              <a:rPr lang="en-US" sz="3100" b="1" dirty="0" err="1"/>
-              <a:t>su</a:t>
-            </a:r>
-            <a:r>
-              <a:rPr lang="en-US" sz="3100" b="1" dirty="0"/>
-              <a:t> </a:t>
-            </a:r>
-            <a:r>
-              <a:rPr lang="en-US" sz="3100" b="1" dirty="0" err="1"/>
-              <a:t>condición</a:t>
-            </a:r>
-            <a:r>
-              <a:rPr lang="en-US" sz="3100" b="1" dirty="0"/>
-              <a:t> de </a:t>
-            </a:r>
-            <a:r>
-              <a:rPr lang="en-US" sz="3100" b="1" dirty="0" err="1"/>
-              <a:t>actividad</a:t>
-            </a:r>
-            <a:r>
-              <a:rPr lang="en-US" sz="3100" b="1" dirty="0"/>
-              <a:t>?</a:t>
-            </a:r>
+              <a:rPr lang="es-EC" sz="3200" b="1" dirty="0"/>
+              <a:t>¿Cuántas personas trabajan en cada rama de actividad según el área?</a:t>
+            </a:r>
+            <a:endParaRPr lang="en-US" sz="3100" b="1" dirty="0"/>
           </a:p>
         </p:txBody>
       </p:sp>
@@ -19268,7 +19165,9 @@
             </a:lvl9pPr>
           </a:lstStyle>
           <a:p>
-            <a:pPr algn="ctr"/>
+            <a:pPr marL="0" indent="0" algn="ctr">
+              <a:buNone/>
+            </a:pPr>
             <a:r>
               <a:rPr lang="es-EC" dirty="0"/>
               <a:t>Urbana</a:t>
@@ -19512,7 +19411,9 @@
             </a:lvl9pPr>
           </a:lstStyle>
           <a:p>
-            <a:pPr algn="ctr"/>
+            <a:pPr marL="0" indent="0" algn="ctr">
+              <a:buNone/>
+            </a:pPr>
             <a:r>
               <a:rPr lang="es-EC" dirty="0"/>
               <a:t>Rural</a:t>
